--- a/Prezentatsia_komandy.pptx
+++ b/Prezentatsia_komandy.pptx
@@ -5,7 +5,7 @@
     <p:sldMasterId id="2147483648" r:id="rId1"/>
   </p:sldMasterIdLst>
   <p:notesMasterIdLst>
-    <p:notesMasterId r:id="rId11"/>
+    <p:notesMasterId r:id="rId12"/>
   </p:notesMasterIdLst>
   <p:sldIdLst>
     <p:sldId id="285" r:id="rId2"/>
@@ -13,10 +13,11 @@
     <p:sldId id="312" r:id="rId4"/>
     <p:sldId id="322" r:id="rId5"/>
     <p:sldId id="319" r:id="rId6"/>
-    <p:sldId id="321" r:id="rId7"/>
-    <p:sldId id="313" r:id="rId8"/>
-    <p:sldId id="317" r:id="rId9"/>
-    <p:sldId id="320" r:id="rId10"/>
+    <p:sldId id="323" r:id="rId7"/>
+    <p:sldId id="321" r:id="rId8"/>
+    <p:sldId id="313" r:id="rId9"/>
+    <p:sldId id="317" r:id="rId10"/>
+    <p:sldId id="320" r:id="rId11"/>
   </p:sldIdLst>
   <p:sldSz cx="12192000" cy="6858000"/>
   <p:notesSz cx="6858000" cy="9144000"/>
@@ -3930,6 +3931,194 @@
 </p:sld>
 </file>
 
+<file path=ppt/slides/slide10.xml><?xml version="1.0" encoding="utf-8"?>
+<p:sld xmlns:a="http://schemas.openxmlformats.org/drawingml/2006/main" xmlns:r="http://schemas.openxmlformats.org/officeDocument/2006/relationships" xmlns:p="http://schemas.openxmlformats.org/presentationml/2006/main">
+  <p:cSld>
+    <p:spTree>
+      <p:nvGrpSpPr>
+        <p:cNvPr id="1" name=""/>
+        <p:cNvGrpSpPr/>
+        <p:nvPr/>
+      </p:nvGrpSpPr>
+      <p:grpSpPr>
+        <a:xfrm>
+          <a:off x="0" y="0"/>
+          <a:ext cx="0" cy="0"/>
+          <a:chOff x="0" y="0"/>
+          <a:chExt cx="0" cy="0"/>
+        </a:xfrm>
+      </p:grpSpPr>
+      <p:pic>
+        <p:nvPicPr>
+          <p:cNvPr id="8" name="Рисунок 7" descr="Изображение выглядит как текст&#10;&#10;Автоматически созданное описание">
+            <a:extLst>
+              <a:ext uri="{FF2B5EF4-FFF2-40B4-BE49-F238E27FC236}">
+                <a16:creationId xmlns:a16="http://schemas.microsoft.com/office/drawing/2014/main" id="{44E2F366-C197-46E7-B036-E683130855EE}"/>
+              </a:ext>
+            </a:extLst>
+          </p:cNvPr>
+          <p:cNvPicPr>
+            <a:picLocks noChangeAspect="1"/>
+          </p:cNvPicPr>
+          <p:nvPr/>
+        </p:nvPicPr>
+        <p:blipFill>
+          <a:blip r:embed="rId2">
+            <a:extLst>
+              <a:ext uri="{28A0092B-C50C-407E-A947-70E740481C1C}">
+                <a14:useLocalDpi xmlns:a14="http://schemas.microsoft.com/office/drawing/2010/main" val="0"/>
+              </a:ext>
+            </a:extLst>
+          </a:blip>
+          <a:stretch>
+            <a:fillRect/>
+          </a:stretch>
+        </p:blipFill>
+        <p:spPr>
+          <a:xfrm>
+            <a:off x="0" y="0"/>
+            <a:ext cx="12192000" cy="6858000"/>
+          </a:xfrm>
+          <a:prstGeom prst="rect">
+            <a:avLst/>
+          </a:prstGeom>
+        </p:spPr>
+      </p:pic>
+      <p:sp>
+        <p:nvSpPr>
+          <p:cNvPr id="7" name="Объект 6">
+            <a:extLst>
+              <a:ext uri="{FF2B5EF4-FFF2-40B4-BE49-F238E27FC236}">
+                <a16:creationId xmlns:a16="http://schemas.microsoft.com/office/drawing/2014/main" id="{67529A05-95D8-430C-8989-CF8F85FE20EB}"/>
+              </a:ext>
+            </a:extLst>
+          </p:cNvPr>
+          <p:cNvSpPr>
+            <a:spLocks noGrp="1"/>
+          </p:cNvSpPr>
+          <p:nvPr>
+            <p:ph idx="1"/>
+          </p:nvPr>
+        </p:nvSpPr>
+        <p:spPr>
+          <a:xfrm>
+            <a:off x="382137" y="1310184"/>
+            <a:ext cx="11436824" cy="5046165"/>
+          </a:xfrm>
+        </p:spPr>
+        <p:txBody>
+          <a:bodyPr/>
+          <a:lstStyle/>
+          <a:p>
+            <a:r>
+              <a:rPr lang="ru-RU" dirty="0"/>
+              <a:t>Получение удобного и простого сервиса</a:t>
+            </a:r>
+          </a:p>
+          <a:p>
+            <a:r>
+              <a:rPr lang="ru-RU" dirty="0"/>
+              <a:t>Увеличение обратной связи и как следствие улучшение слабых мест в образовательной программе</a:t>
+            </a:r>
+          </a:p>
+        </p:txBody>
+      </p:sp>
+      <p:sp>
+        <p:nvSpPr>
+          <p:cNvPr id="9" name="Прямоугольник 8">
+            <a:extLst>
+              <a:ext uri="{FF2B5EF4-FFF2-40B4-BE49-F238E27FC236}">
+                <a16:creationId xmlns:a16="http://schemas.microsoft.com/office/drawing/2014/main" id="{D6E20D47-D12D-492B-A5BA-FEED14AAC4F4}"/>
+              </a:ext>
+            </a:extLst>
+          </p:cNvPr>
+          <p:cNvSpPr/>
+          <p:nvPr/>
+        </p:nvSpPr>
+        <p:spPr>
+          <a:xfrm>
+            <a:off x="251460" y="162480"/>
+            <a:ext cx="4831700" cy="584775"/>
+          </a:xfrm>
+          <a:prstGeom prst="rect">
+            <a:avLst/>
+          </a:prstGeom>
+        </p:spPr>
+        <p:txBody>
+          <a:bodyPr wrap="square">
+            <a:spAutoFit/>
+          </a:bodyPr>
+          <a:lstStyle/>
+          <a:p>
+            <a:r>
+              <a:rPr lang="ru-RU" altLang="ru-RU" sz="3200" dirty="0">
+                <a:solidFill>
+                  <a:schemeClr val="bg1"/>
+                </a:solidFill>
+                <a:latin typeface="Tahoma" panose="020B0604030504040204" pitchFamily="34" charset="0"/>
+                <a:ea typeface="Tahoma" panose="020B0604030504040204" pitchFamily="34" charset="0"/>
+                <a:cs typeface="Tahoma" panose="020B0604030504040204" pitchFamily="34" charset="0"/>
+              </a:rPr>
+              <a:t>Заключение</a:t>
+            </a:r>
+          </a:p>
+        </p:txBody>
+      </p:sp>
+      <p:sp>
+        <p:nvSpPr>
+          <p:cNvPr id="10" name="Номер слайда 3">
+            <a:extLst>
+              <a:ext uri="{FF2B5EF4-FFF2-40B4-BE49-F238E27FC236}">
+                <a16:creationId xmlns:a16="http://schemas.microsoft.com/office/drawing/2014/main" id="{580EE5FA-EE9F-4330-8E5B-722A47759624}"/>
+              </a:ext>
+            </a:extLst>
+          </p:cNvPr>
+          <p:cNvSpPr>
+            <a:spLocks noGrp="1"/>
+          </p:cNvSpPr>
+          <p:nvPr>
+            <p:ph type="sldNum" sz="quarter" idx="12"/>
+          </p:nvPr>
+        </p:nvSpPr>
+        <p:spPr>
+          <a:xfrm>
+            <a:off x="10906540" y="6356350"/>
+            <a:ext cx="447260" cy="365125"/>
+          </a:xfrm>
+        </p:spPr>
+        <p:txBody>
+          <a:bodyPr/>
+          <a:lstStyle/>
+          <a:p>
+            <a:fld id="{608F7AB1-9D30-4031-A63E-8F55C7C9BE17}" type="slidenum">
+              <a:rPr lang="ru-RU" sz="1800" smtClean="0">
+                <a:solidFill>
+                  <a:srgbClr val="0300FF"/>
+                </a:solidFill>
+              </a:rPr>
+              <a:t>10</a:t>
+            </a:fld>
+            <a:endParaRPr lang="ru-RU" sz="1800" dirty="0">
+              <a:solidFill>
+                <a:srgbClr val="0300FF"/>
+              </a:solidFill>
+            </a:endParaRPr>
+          </a:p>
+        </p:txBody>
+      </p:sp>
+    </p:spTree>
+    <p:extLst>
+      <p:ext uri="{BB962C8B-B14F-4D97-AF65-F5344CB8AC3E}">
+        <p14:creationId xmlns:p14="http://schemas.microsoft.com/office/powerpoint/2010/main" val="3121615789"/>
+      </p:ext>
+    </p:extLst>
+  </p:cSld>
+  <p:clrMapOvr>
+    <a:masterClrMapping/>
+  </p:clrMapOvr>
+</p:sld>
+</file>
+
 <file path=ppt/slides/slide2.xml><?xml version="1.0" encoding="utf-8"?>
 <p:sld xmlns:a="http://schemas.openxmlformats.org/drawingml/2006/main" xmlns:r="http://schemas.openxmlformats.org/officeDocument/2006/relationships" xmlns:p="http://schemas.openxmlformats.org/presentationml/2006/main">
   <p:cSld>
@@ -4084,8 +4273,8 @@
         </p:nvSpPr>
         <p:spPr>
           <a:xfrm>
-            <a:off x="377588" y="1974315"/>
-            <a:ext cx="11436824" cy="5046165"/>
+            <a:off x="377588" y="1567146"/>
+            <a:ext cx="11436824" cy="3222058"/>
           </a:xfrm>
         </p:spPr>
         <p:txBody>
@@ -4439,8 +4628,8 @@
         </p:blipFill>
         <p:spPr>
           <a:xfrm>
-            <a:off x="5541782" y="943625"/>
-            <a:ext cx="5512904" cy="5777850"/>
+            <a:off x="5541782" y="1033670"/>
+            <a:ext cx="5512904" cy="5687805"/>
           </a:xfrm>
           <a:prstGeom prst="rect">
             <a:avLst/>
@@ -4504,7 +4693,7 @@
         <p:spPr>
           <a:xfrm>
             <a:off x="355041" y="3124342"/>
-            <a:ext cx="4831700" cy="1077218"/>
+            <a:ext cx="4728119" cy="1077218"/>
           </a:xfrm>
           <a:prstGeom prst="rect">
             <a:avLst/>
@@ -4701,10 +4890,10 @@
       </p:sp>
       <p:pic>
         <p:nvPicPr>
-          <p:cNvPr id="3" name="Рисунок 2">
-            <a:extLst>
-              <a:ext uri="{FF2B5EF4-FFF2-40B4-BE49-F238E27FC236}">
-                <a16:creationId xmlns:a16="http://schemas.microsoft.com/office/drawing/2014/main" id="{19A783A1-9099-42AA-85D8-9BAF787B6B66}"/>
+          <p:cNvPr id="4" name="Рисунок 3">
+            <a:extLst>
+              <a:ext uri="{FF2B5EF4-FFF2-40B4-BE49-F238E27FC236}">
+                <a16:creationId xmlns:a16="http://schemas.microsoft.com/office/drawing/2014/main" id="{A687080B-A024-46D3-81AC-000BB2D7D4EF}"/>
               </a:ext>
             </a:extLst>
           </p:cNvPr>
@@ -4721,8 +4910,8 @@
         </p:blipFill>
         <p:spPr>
           <a:xfrm>
-            <a:off x="1207368" y="1090150"/>
-            <a:ext cx="9777263" cy="5052955"/>
+            <a:off x="204787" y="1544638"/>
+            <a:ext cx="11782425" cy="3267075"/>
           </a:xfrm>
           <a:prstGeom prst="rect">
             <a:avLst/>
@@ -4764,7 +4953,7 @@
           <p:cNvPr id="8" name="Рисунок 7" descr="Изображение выглядит как текст&#10;&#10;Автоматически созданное описание">
             <a:extLst>
               <a:ext uri="{FF2B5EF4-FFF2-40B4-BE49-F238E27FC236}">
-                <a16:creationId xmlns:a16="http://schemas.microsoft.com/office/drawing/2014/main" id="{AFE02EB4-79B7-4DF6-9B20-0799F052CA1C}"/>
+                <a16:creationId xmlns:a16="http://schemas.microsoft.com/office/drawing/2014/main" id="{AC791915-3132-483D-870E-0BC574D296DF}"/>
               </a:ext>
             </a:extLst>
           </p:cNvPr>
@@ -4800,7 +4989,7 @@
           <p:cNvPr id="9" name="Прямоугольник 8">
             <a:extLst>
               <a:ext uri="{FF2B5EF4-FFF2-40B4-BE49-F238E27FC236}">
-                <a16:creationId xmlns:a16="http://schemas.microsoft.com/office/drawing/2014/main" id="{0B46613D-80B8-44C0-96D8-04B88C7679A2}"/>
+                <a16:creationId xmlns:a16="http://schemas.microsoft.com/office/drawing/2014/main" id="{70564E7E-AC1A-41B1-AFC1-72277351833B}"/>
               </a:ext>
             </a:extLst>
           </p:cNvPr>
@@ -4831,40 +5020,7 @@
                 <a:ea typeface="Tahoma" panose="020B0604030504040204" pitchFamily="34" charset="0"/>
                 <a:cs typeface="Tahoma" panose="020B0604030504040204" pitchFamily="34" charset="0"/>
               </a:rPr>
-              <a:t>Цель</a:t>
-            </a:r>
-          </a:p>
-        </p:txBody>
-      </p:sp>
-      <p:sp>
-        <p:nvSpPr>
-          <p:cNvPr id="10" name="Объект 6">
-            <a:extLst>
-              <a:ext uri="{FF2B5EF4-FFF2-40B4-BE49-F238E27FC236}">
-                <a16:creationId xmlns:a16="http://schemas.microsoft.com/office/drawing/2014/main" id="{07C487B6-3120-4A42-8073-981B722B4E88}"/>
-              </a:ext>
-            </a:extLst>
-          </p:cNvPr>
-          <p:cNvSpPr>
-            <a:spLocks noGrp="1"/>
-          </p:cNvSpPr>
-          <p:nvPr>
-            <p:ph idx="1"/>
-          </p:nvPr>
-        </p:nvSpPr>
-        <p:spPr>
-          <a:xfrm>
-            <a:off x="382137" y="1310184"/>
-            <a:ext cx="11436824" cy="5046165"/>
-          </a:xfrm>
-        </p:spPr>
-        <p:txBody>
-          <a:bodyPr/>
-          <a:lstStyle/>
-          <a:p>
-            <a:r>
-              <a:rPr lang="ru-RU" dirty="0"/>
-              <a:t>Создать удобное средство оценивания обучения и получения обратной связи для студентов и преподавателей</a:t>
+              <a:t>Концепция проекта</a:t>
             </a:r>
           </a:p>
         </p:txBody>
@@ -4874,7 +5030,7 @@
           <p:cNvPr id="11" name="Номер слайда 3">
             <a:extLst>
               <a:ext uri="{FF2B5EF4-FFF2-40B4-BE49-F238E27FC236}">
-                <a16:creationId xmlns:a16="http://schemas.microsoft.com/office/drawing/2014/main" id="{6D7DE811-EA71-4BA2-8BD7-82446A36C785}"/>
+                <a16:creationId xmlns:a16="http://schemas.microsoft.com/office/drawing/2014/main" id="{3437B5E3-ED70-4390-A2B3-FF9B90B53AA7}"/>
               </a:ext>
             </a:extLst>
           </p:cNvPr>
@@ -4913,55 +5069,38 @@
       </p:sp>
       <p:pic>
         <p:nvPicPr>
-          <p:cNvPr id="1028" name="Picture 4">
-            <a:extLst>
-              <a:ext uri="{FF2B5EF4-FFF2-40B4-BE49-F238E27FC236}">
-                <a16:creationId xmlns:a16="http://schemas.microsoft.com/office/drawing/2014/main" id="{4D3BA260-85D2-49D0-9255-94999F9DDEF1}"/>
+          <p:cNvPr id="3" name="Рисунок 2">
+            <a:extLst>
+              <a:ext uri="{FF2B5EF4-FFF2-40B4-BE49-F238E27FC236}">
+                <a16:creationId xmlns:a16="http://schemas.microsoft.com/office/drawing/2014/main" id="{19A783A1-9099-42AA-85D8-9BAF787B6B66}"/>
               </a:ext>
             </a:extLst>
           </p:cNvPr>
           <p:cNvPicPr>
-            <a:picLocks noChangeAspect="1" noChangeArrowheads="1"/>
+            <a:picLocks noChangeAspect="1"/>
           </p:cNvPicPr>
           <p:nvPr/>
         </p:nvPicPr>
         <p:blipFill>
-          <a:blip r:embed="rId3">
-            <a:extLst>
-              <a:ext uri="{28A0092B-C50C-407E-A947-70E740481C1C}">
-                <a14:useLocalDpi xmlns:a14="http://schemas.microsoft.com/office/drawing/2010/main" val="0"/>
-              </a:ext>
-            </a:extLst>
-          </a:blip>
-          <a:srcRect/>
+          <a:blip r:embed="rId3"/>
           <a:stretch>
             <a:fillRect/>
           </a:stretch>
         </p:blipFill>
-        <p:spPr bwMode="auto">
-          <a:xfrm>
-            <a:off x="373039" y="2529301"/>
-            <a:ext cx="4009611" cy="4009611"/>
+        <p:spPr>
+          <a:xfrm>
+            <a:off x="1207368" y="1129907"/>
+            <a:ext cx="9777263" cy="5052955"/>
           </a:xfrm>
           <a:prstGeom prst="rect">
             <a:avLst/>
           </a:prstGeom>
-          <a:noFill/>
-          <a:extLst>
-            <a:ext uri="{909E8E84-426E-40DD-AFC4-6F175D3DCCD1}">
-              <a14:hiddenFill xmlns:a14="http://schemas.microsoft.com/office/drawing/2010/main">
-                <a:solidFill>
-                  <a:srgbClr val="FFFFFF"/>
-                </a:solidFill>
-              </a14:hiddenFill>
-            </a:ext>
-          </a:extLst>
         </p:spPr>
       </p:pic>
     </p:spTree>
     <p:extLst>
       <p:ext uri="{BB962C8B-B14F-4D97-AF65-F5344CB8AC3E}">
-        <p14:creationId xmlns:p14="http://schemas.microsoft.com/office/powerpoint/2010/main" val="2607937076"/>
+        <p14:creationId xmlns:p14="http://schemas.microsoft.com/office/powerpoint/2010/main" val="994453842"/>
       </p:ext>
     </p:extLst>
   </p:cSld>
@@ -5060,7 +5199,7 @@
                 <a:ea typeface="Tahoma" panose="020B0604030504040204" pitchFamily="34" charset="0"/>
                 <a:cs typeface="Tahoma" panose="020B0604030504040204" pitchFamily="34" charset="0"/>
               </a:rPr>
-              <a:t>Задачи</a:t>
+              <a:t>Цель</a:t>
             </a:r>
           </a:p>
         </p:txBody>
@@ -5083,7 +5222,7 @@
         </p:nvSpPr>
         <p:spPr>
           <a:xfrm>
-            <a:off x="377588" y="1173660"/>
+            <a:off x="382137" y="1310184"/>
             <a:ext cx="11436824" cy="5046165"/>
           </a:xfrm>
         </p:spPr>
@@ -5093,19 +5232,7 @@
           <a:p>
             <a:r>
               <a:rPr lang="ru-RU" dirty="0"/>
-              <a:t>Удобство для студентов</a:t>
-            </a:r>
-          </a:p>
-          <a:p>
-            <a:r>
-              <a:rPr lang="ru-RU" dirty="0"/>
-              <a:t>Наглядность рейтинга преподавателей и отзывов</a:t>
-            </a:r>
-          </a:p>
-          <a:p>
-            <a:r>
-              <a:rPr lang="ru-RU" dirty="0"/>
-              <a:t>Удобство сбора необходимых данных</a:t>
+              <a:t>Создать удобное средство оценивания обучения и получения обратной связи для студентов и преподавателей</a:t>
             </a:r>
           </a:p>
         </p:txBody>
@@ -5152,24 +5279,37 @@
           </a:p>
         </p:txBody>
       </p:sp>
-      <p:sp>
-        <p:nvSpPr>
-          <p:cNvPr id="2" name="AutoShape 2">
-            <a:extLst>
-              <a:ext uri="{FF2B5EF4-FFF2-40B4-BE49-F238E27FC236}">
-                <a16:creationId xmlns:a16="http://schemas.microsoft.com/office/drawing/2014/main" id="{BA4A8FA2-065A-4D17-9772-AF0B5CFCCAAF}"/>
-              </a:ext>
-            </a:extLst>
-          </p:cNvPr>
-          <p:cNvSpPr>
-            <a:spLocks noChangeAspect="1" noChangeArrowheads="1"/>
-          </p:cNvSpPr>
+      <p:pic>
+        <p:nvPicPr>
+          <p:cNvPr id="1028" name="Picture 4">
+            <a:extLst>
+              <a:ext uri="{FF2B5EF4-FFF2-40B4-BE49-F238E27FC236}">
+                <a16:creationId xmlns:a16="http://schemas.microsoft.com/office/drawing/2014/main" id="{4D3BA260-85D2-49D0-9255-94999F9DDEF1}"/>
+              </a:ext>
+            </a:extLst>
+          </p:cNvPr>
+          <p:cNvPicPr>
+            <a:picLocks noChangeAspect="1" noChangeArrowheads="1"/>
+          </p:cNvPicPr>
           <p:nvPr/>
-        </p:nvSpPr>
+        </p:nvPicPr>
+        <p:blipFill>
+          <a:blip r:embed="rId3">
+            <a:extLst>
+              <a:ext uri="{28A0092B-C50C-407E-A947-70E740481C1C}">
+                <a14:useLocalDpi xmlns:a14="http://schemas.microsoft.com/office/drawing/2010/main" val="0"/>
+              </a:ext>
+            </a:extLst>
+          </a:blip>
+          <a:srcRect/>
+          <a:stretch>
+            <a:fillRect/>
+          </a:stretch>
+        </p:blipFill>
         <p:spPr bwMode="auto">
           <a:xfrm>
-            <a:off x="5943600" y="3276600"/>
-            <a:ext cx="304800" cy="304800"/>
+            <a:off x="373039" y="2529301"/>
+            <a:ext cx="4009611" cy="4009611"/>
           </a:xfrm>
           <a:prstGeom prst="rect">
             <a:avLst/>
@@ -5185,69 +5325,11 @@
             </a:ext>
           </a:extLst>
         </p:spPr>
-        <p:txBody>
-          <a:bodyPr vert="horz" wrap="square" lIns="91440" tIns="45720" rIns="91440" bIns="45720" numCol="1" anchor="t" anchorCtr="0" compatLnSpc="1">
-            <a:prstTxWarp prst="textNoShape">
-              <a:avLst/>
-            </a:prstTxWarp>
-          </a:bodyPr>
-          <a:lstStyle/>
-          <a:p>
-            <a:endParaRPr lang="ru-RU"/>
-          </a:p>
-        </p:txBody>
-      </p:sp>
-      <p:pic>
-        <p:nvPicPr>
-          <p:cNvPr id="2058" name="Picture 10">
-            <a:extLst>
-              <a:ext uri="{FF2B5EF4-FFF2-40B4-BE49-F238E27FC236}">
-                <a16:creationId xmlns:a16="http://schemas.microsoft.com/office/drawing/2014/main" id="{1CE8CECD-0045-4445-8DCB-BB7D0CC847B8}"/>
-              </a:ext>
-            </a:extLst>
-          </p:cNvPr>
-          <p:cNvPicPr>
-            <a:picLocks noChangeAspect="1" noChangeArrowheads="1"/>
-          </p:cNvPicPr>
-          <p:nvPr/>
-        </p:nvPicPr>
-        <p:blipFill>
-          <a:blip r:embed="rId3">
-            <a:extLst>
-              <a:ext uri="{28A0092B-C50C-407E-A947-70E740481C1C}">
-                <a14:useLocalDpi xmlns:a14="http://schemas.microsoft.com/office/drawing/2010/main" val="0"/>
-              </a:ext>
-            </a:extLst>
-          </a:blip>
-          <a:srcRect/>
-          <a:stretch>
-            <a:fillRect/>
-          </a:stretch>
-        </p:blipFill>
-        <p:spPr bwMode="auto">
-          <a:xfrm>
-            <a:off x="443140" y="2719664"/>
-            <a:ext cx="5455029" cy="3636686"/>
-          </a:xfrm>
-          <a:prstGeom prst="rect">
-            <a:avLst/>
-          </a:prstGeom>
-          <a:noFill/>
-          <a:extLst>
-            <a:ext uri="{909E8E84-426E-40DD-AFC4-6F175D3DCCD1}">
-              <a14:hiddenFill xmlns:a14="http://schemas.microsoft.com/office/drawing/2010/main">
-                <a:solidFill>
-                  <a:srgbClr val="FFFFFF"/>
-                </a:solidFill>
-              </a14:hiddenFill>
-            </a:ext>
-          </a:extLst>
-        </p:spPr>
       </p:pic>
     </p:spTree>
     <p:extLst>
       <p:ext uri="{BB962C8B-B14F-4D97-AF65-F5344CB8AC3E}">
-        <p14:creationId xmlns:p14="http://schemas.microsoft.com/office/powerpoint/2010/main" val="4203996115"/>
+        <p14:creationId xmlns:p14="http://schemas.microsoft.com/office/powerpoint/2010/main" val="2607937076"/>
       </p:ext>
     </p:extLst>
   </p:cSld>
@@ -5279,7 +5361,7 @@
           <p:cNvPr id="8" name="Рисунок 7" descr="Изображение выглядит как текст&#10;&#10;Автоматически созданное описание">
             <a:extLst>
               <a:ext uri="{FF2B5EF4-FFF2-40B4-BE49-F238E27FC236}">
-                <a16:creationId xmlns:a16="http://schemas.microsoft.com/office/drawing/2014/main" id="{36A85D9A-FED2-4D49-89F7-226EAFF986A7}"/>
+                <a16:creationId xmlns:a16="http://schemas.microsoft.com/office/drawing/2014/main" id="{AFE02EB4-79B7-4DF6-9B20-0799F052CA1C}"/>
               </a:ext>
             </a:extLst>
           </p:cNvPr>
@@ -5315,7 +5397,7 @@
           <p:cNvPr id="9" name="Прямоугольник 8">
             <a:extLst>
               <a:ext uri="{FF2B5EF4-FFF2-40B4-BE49-F238E27FC236}">
-                <a16:creationId xmlns:a16="http://schemas.microsoft.com/office/drawing/2014/main" id="{D61252F0-F960-44A2-881E-5A84B5576DF9}"/>
+                <a16:creationId xmlns:a16="http://schemas.microsoft.com/office/drawing/2014/main" id="{0B46613D-80B8-44C0-96D8-04B88C7679A2}"/>
               </a:ext>
             </a:extLst>
           </p:cNvPr>
@@ -5324,8 +5406,8 @@
         </p:nvSpPr>
         <p:spPr>
           <a:xfrm>
-            <a:off x="251459" y="162480"/>
-            <a:ext cx="6203931" cy="584775"/>
+            <a:off x="251460" y="162480"/>
+            <a:ext cx="4831700" cy="584775"/>
           </a:xfrm>
           <a:prstGeom prst="rect">
             <a:avLst/>
@@ -5346,49 +5428,68 @@
                 <a:ea typeface="Tahoma" panose="020B0604030504040204" pitchFamily="34" charset="0"/>
                 <a:cs typeface="Tahoma" panose="020B0604030504040204" pitchFamily="34" charset="0"/>
               </a:rPr>
-              <a:t>Техническое описание решения</a:t>
-            </a:r>
-          </a:p>
-        </p:txBody>
-      </p:sp>
-      <p:pic>
-        <p:nvPicPr>
-          <p:cNvPr id="2" name="Объект 1">
-            <a:extLst>
-              <a:ext uri="{FF2B5EF4-FFF2-40B4-BE49-F238E27FC236}">
-                <a16:creationId xmlns:a16="http://schemas.microsoft.com/office/drawing/2014/main" id="{FFD54594-30F9-4971-ACC7-99DBE15E6F2F}"/>
-              </a:ext>
-            </a:extLst>
-          </p:cNvPr>
-          <p:cNvPicPr>
-            <a:picLocks noGrp="1" noChangeAspect="1"/>
-          </p:cNvPicPr>
+              <a:t>Задачи</a:t>
+            </a:r>
+          </a:p>
+        </p:txBody>
+      </p:sp>
+      <p:sp>
+        <p:nvSpPr>
+          <p:cNvPr id="10" name="Объект 6">
+            <a:extLst>
+              <a:ext uri="{FF2B5EF4-FFF2-40B4-BE49-F238E27FC236}">
+                <a16:creationId xmlns:a16="http://schemas.microsoft.com/office/drawing/2014/main" id="{07C487B6-3120-4A42-8073-981B722B4E88}"/>
+              </a:ext>
+            </a:extLst>
+          </p:cNvPr>
+          <p:cNvSpPr>
+            <a:spLocks noGrp="1"/>
+          </p:cNvSpPr>
           <p:nvPr>
             <p:ph idx="1"/>
           </p:nvPr>
-        </p:nvPicPr>
-        <p:blipFill>
-          <a:blip r:embed="rId3"/>
-          <a:stretch>
-            <a:fillRect/>
-          </a:stretch>
-        </p:blipFill>
-        <p:spPr>
-          <a:xfrm>
-            <a:off x="3882887" y="950843"/>
-            <a:ext cx="8309113" cy="5389143"/>
-          </a:xfrm>
-          <a:prstGeom prst="rect">
-            <a:avLst/>
-          </a:prstGeom>
-        </p:spPr>
-      </p:pic>
+        </p:nvSpPr>
+        <p:spPr>
+          <a:xfrm>
+            <a:off x="377588" y="1173660"/>
+            <a:ext cx="11436824" cy="5046165"/>
+          </a:xfrm>
+        </p:spPr>
+        <p:txBody>
+          <a:bodyPr/>
+          <a:lstStyle/>
+          <a:p>
+            <a:r>
+              <a:rPr lang="ru-RU" dirty="0"/>
+              <a:t>Удобство для студентов</a:t>
+            </a:r>
+          </a:p>
+          <a:p>
+            <a:r>
+              <a:rPr lang="ru-RU" dirty="0"/>
+              <a:t>Наглядность рейтинга преподавателей и отзывов</a:t>
+            </a:r>
+          </a:p>
+          <a:p>
+            <a:r>
+              <a:rPr lang="ru-RU" dirty="0"/>
+              <a:t>Удобство сбора необходимых данных</a:t>
+            </a:r>
+          </a:p>
+          <a:p>
+            <a:pPr marL="0" indent="0">
+              <a:buNone/>
+            </a:pPr>
+            <a:endParaRPr lang="ru-RU" dirty="0"/>
+          </a:p>
+        </p:txBody>
+      </p:sp>
       <p:sp>
         <p:nvSpPr>
           <p:cNvPr id="11" name="Номер слайда 3">
             <a:extLst>
               <a:ext uri="{FF2B5EF4-FFF2-40B4-BE49-F238E27FC236}">
-                <a16:creationId xmlns:a16="http://schemas.microsoft.com/office/drawing/2014/main" id="{F9656749-2446-421A-81CE-73ED10E183CD}"/>
+                <a16:creationId xmlns:a16="http://schemas.microsoft.com/office/drawing/2014/main" id="{6D7DE811-EA71-4BA2-8BD7-82446A36C785}"/>
               </a:ext>
             </a:extLst>
           </p:cNvPr>
@@ -5425,37 +5526,24 @@
           </a:p>
         </p:txBody>
       </p:sp>
-      <p:pic>
-        <p:nvPicPr>
-          <p:cNvPr id="1030" name="Picture 6">
-            <a:extLst>
-              <a:ext uri="{FF2B5EF4-FFF2-40B4-BE49-F238E27FC236}">
-                <a16:creationId xmlns:a16="http://schemas.microsoft.com/office/drawing/2014/main" id="{AEFCA814-CEF1-4ED6-B9E7-DAA84DB370DB}"/>
-              </a:ext>
-            </a:extLst>
-          </p:cNvPr>
-          <p:cNvPicPr>
-            <a:picLocks noChangeAspect="1" noChangeArrowheads="1"/>
-          </p:cNvPicPr>
+      <p:sp>
+        <p:nvSpPr>
+          <p:cNvPr id="2" name="AutoShape 2">
+            <a:extLst>
+              <a:ext uri="{FF2B5EF4-FFF2-40B4-BE49-F238E27FC236}">
+                <a16:creationId xmlns:a16="http://schemas.microsoft.com/office/drawing/2014/main" id="{BA4A8FA2-065A-4D17-9772-AF0B5CFCCAAF}"/>
+              </a:ext>
+            </a:extLst>
+          </p:cNvPr>
+          <p:cNvSpPr>
+            <a:spLocks noChangeAspect="1" noChangeArrowheads="1"/>
+          </p:cNvSpPr>
           <p:nvPr/>
-        </p:nvPicPr>
-        <p:blipFill>
-          <a:blip r:embed="rId4">
-            <a:extLst>
-              <a:ext uri="{28A0092B-C50C-407E-A947-70E740481C1C}">
-                <a14:useLocalDpi xmlns:a14="http://schemas.microsoft.com/office/drawing/2010/main" val="0"/>
-              </a:ext>
-            </a:extLst>
-          </a:blip>
-          <a:srcRect/>
-          <a:stretch>
-            <a:fillRect/>
-          </a:stretch>
-        </p:blipFill>
+        </p:nvSpPr>
         <p:spPr bwMode="auto">
           <a:xfrm>
-            <a:off x="516207" y="1093289"/>
-            <a:ext cx="2511253" cy="2000113"/>
+            <a:off x="5943600" y="3276600"/>
+            <a:ext cx="304800" cy="304800"/>
           </a:xfrm>
           <a:prstGeom prst="rect">
             <a:avLst/>
@@ -5471,58 +5559,22 @@
             </a:ext>
           </a:extLst>
         </p:spPr>
-      </p:pic>
-      <p:pic>
-        <p:nvPicPr>
-          <p:cNvPr id="1034" name="Picture 10">
-            <a:extLst>
-              <a:ext uri="{FF2B5EF4-FFF2-40B4-BE49-F238E27FC236}">
-                <a16:creationId xmlns:a16="http://schemas.microsoft.com/office/drawing/2014/main" id="{20BD3F7D-43BE-4EBE-AF8D-A66CF3275B9C}"/>
-              </a:ext>
-            </a:extLst>
-          </p:cNvPr>
-          <p:cNvPicPr>
-            <a:picLocks noChangeAspect="1" noChangeArrowheads="1"/>
-          </p:cNvPicPr>
-          <p:nvPr/>
-        </p:nvPicPr>
-        <p:blipFill>
-          <a:blip r:embed="rId5">
-            <a:extLst>
-              <a:ext uri="{28A0092B-C50C-407E-A947-70E740481C1C}">
-                <a14:useLocalDpi xmlns:a14="http://schemas.microsoft.com/office/drawing/2010/main" val="0"/>
-              </a:ext>
-            </a:extLst>
-          </a:blip>
-          <a:srcRect/>
-          <a:stretch>
-            <a:fillRect/>
-          </a:stretch>
-        </p:blipFill>
-        <p:spPr bwMode="auto">
-          <a:xfrm>
-            <a:off x="410485" y="3272202"/>
-            <a:ext cx="3084148" cy="3084148"/>
-          </a:xfrm>
-          <a:prstGeom prst="rect">
-            <a:avLst/>
-          </a:prstGeom>
-          <a:noFill/>
-          <a:extLst>
-            <a:ext uri="{909E8E84-426E-40DD-AFC4-6F175D3DCCD1}">
-              <a14:hiddenFill xmlns:a14="http://schemas.microsoft.com/office/drawing/2010/main">
-                <a:solidFill>
-                  <a:srgbClr val="FFFFFF"/>
-                </a:solidFill>
-              </a14:hiddenFill>
-            </a:ext>
-          </a:extLst>
-        </p:spPr>
-      </p:pic>
+        <p:txBody>
+          <a:bodyPr vert="horz" wrap="square" lIns="91440" tIns="45720" rIns="91440" bIns="45720" numCol="1" anchor="t" anchorCtr="0" compatLnSpc="1">
+            <a:prstTxWarp prst="textNoShape">
+              <a:avLst/>
+            </a:prstTxWarp>
+          </a:bodyPr>
+          <a:lstStyle/>
+          <a:p>
+            <a:endParaRPr lang="ru-RU"/>
+          </a:p>
+        </p:txBody>
+      </p:sp>
     </p:spTree>
     <p:extLst>
       <p:ext uri="{BB962C8B-B14F-4D97-AF65-F5344CB8AC3E}">
-        <p14:creationId xmlns:p14="http://schemas.microsoft.com/office/powerpoint/2010/main" val="972465106"/>
+        <p14:creationId xmlns:p14="http://schemas.microsoft.com/office/powerpoint/2010/main" val="4203996115"/>
       </p:ext>
     </p:extLst>
   </p:cSld>
@@ -5554,7 +5606,7 @@
           <p:cNvPr id="8" name="Рисунок 7" descr="Изображение выглядит как текст&#10;&#10;Автоматически созданное описание">
             <a:extLst>
               <a:ext uri="{FF2B5EF4-FFF2-40B4-BE49-F238E27FC236}">
-                <a16:creationId xmlns:a16="http://schemas.microsoft.com/office/drawing/2014/main" id="{44E2F366-C197-46E7-B036-E683130855EE}"/>
+                <a16:creationId xmlns:a16="http://schemas.microsoft.com/office/drawing/2014/main" id="{36A85D9A-FED2-4D49-89F7-226EAFF986A7}"/>
               </a:ext>
             </a:extLst>
           </p:cNvPr>
@@ -5587,49 +5639,10 @@
       </p:pic>
       <p:sp>
         <p:nvSpPr>
-          <p:cNvPr id="7" name="Объект 6">
-            <a:extLst>
-              <a:ext uri="{FF2B5EF4-FFF2-40B4-BE49-F238E27FC236}">
-                <a16:creationId xmlns:a16="http://schemas.microsoft.com/office/drawing/2014/main" id="{67529A05-95D8-430C-8989-CF8F85FE20EB}"/>
-              </a:ext>
-            </a:extLst>
-          </p:cNvPr>
-          <p:cNvSpPr>
-            <a:spLocks noGrp="1"/>
-          </p:cNvSpPr>
-          <p:nvPr>
-            <p:ph idx="1"/>
-          </p:nvPr>
-        </p:nvSpPr>
-        <p:spPr>
-          <a:xfrm>
-            <a:off x="382137" y="1310184"/>
-            <a:ext cx="11436824" cy="5046165"/>
-          </a:xfrm>
-        </p:spPr>
-        <p:txBody>
-          <a:bodyPr/>
-          <a:lstStyle/>
-          <a:p>
-            <a:r>
-              <a:rPr lang="ru-RU" dirty="0"/>
-              <a:t>Получение удобного и простого сервиса</a:t>
-            </a:r>
-          </a:p>
-          <a:p>
-            <a:r>
-              <a:rPr lang="ru-RU" dirty="0"/>
-              <a:t>Увеличение обратной связи и как следствие улучшение слабых мест в образовательной программе</a:t>
-            </a:r>
-          </a:p>
-        </p:txBody>
-      </p:sp>
-      <p:sp>
-        <p:nvSpPr>
           <p:cNvPr id="9" name="Прямоугольник 8">
             <a:extLst>
               <a:ext uri="{FF2B5EF4-FFF2-40B4-BE49-F238E27FC236}">
-                <a16:creationId xmlns:a16="http://schemas.microsoft.com/office/drawing/2014/main" id="{D6E20D47-D12D-492B-A5BA-FEED14AAC4F4}"/>
+                <a16:creationId xmlns:a16="http://schemas.microsoft.com/office/drawing/2014/main" id="{D61252F0-F960-44A2-881E-5A84B5576DF9}"/>
               </a:ext>
             </a:extLst>
           </p:cNvPr>
@@ -5638,8 +5651,8 @@
         </p:nvSpPr>
         <p:spPr>
           <a:xfrm>
-            <a:off x="251460" y="162480"/>
-            <a:ext cx="4831700" cy="584775"/>
+            <a:off x="251459" y="162480"/>
+            <a:ext cx="6203931" cy="584775"/>
           </a:xfrm>
           <a:prstGeom prst="rect">
             <a:avLst/>
@@ -5660,17 +5673,49 @@
                 <a:ea typeface="Tahoma" panose="020B0604030504040204" pitchFamily="34" charset="0"/>
                 <a:cs typeface="Tahoma" panose="020B0604030504040204" pitchFamily="34" charset="0"/>
               </a:rPr>
-              <a:t>Заключение</a:t>
-            </a:r>
-          </a:p>
-        </p:txBody>
-      </p:sp>
-      <p:sp>
-        <p:nvSpPr>
-          <p:cNvPr id="10" name="Номер слайда 3">
-            <a:extLst>
-              <a:ext uri="{FF2B5EF4-FFF2-40B4-BE49-F238E27FC236}">
-                <a16:creationId xmlns:a16="http://schemas.microsoft.com/office/drawing/2014/main" id="{580EE5FA-EE9F-4330-8E5B-722A47759624}"/>
+              <a:t>Техническое описание решения</a:t>
+            </a:r>
+          </a:p>
+        </p:txBody>
+      </p:sp>
+      <p:pic>
+        <p:nvPicPr>
+          <p:cNvPr id="2" name="Объект 1">
+            <a:extLst>
+              <a:ext uri="{FF2B5EF4-FFF2-40B4-BE49-F238E27FC236}">
+                <a16:creationId xmlns:a16="http://schemas.microsoft.com/office/drawing/2014/main" id="{FFD54594-30F9-4971-ACC7-99DBE15E6F2F}"/>
+              </a:ext>
+            </a:extLst>
+          </p:cNvPr>
+          <p:cNvPicPr>
+            <a:picLocks noGrp="1" noChangeAspect="1"/>
+          </p:cNvPicPr>
+          <p:nvPr>
+            <p:ph idx="1"/>
+          </p:nvPr>
+        </p:nvPicPr>
+        <p:blipFill>
+          <a:blip r:embed="rId3"/>
+          <a:stretch>
+            <a:fillRect/>
+          </a:stretch>
+        </p:blipFill>
+        <p:spPr>
+          <a:xfrm>
+            <a:off x="3882887" y="950843"/>
+            <a:ext cx="8309113" cy="5389143"/>
+          </a:xfrm>
+          <a:prstGeom prst="rect">
+            <a:avLst/>
+          </a:prstGeom>
+        </p:spPr>
+      </p:pic>
+      <p:sp>
+        <p:nvSpPr>
+          <p:cNvPr id="11" name="Номер слайда 3">
+            <a:extLst>
+              <a:ext uri="{FF2B5EF4-FFF2-40B4-BE49-F238E27FC236}">
+                <a16:creationId xmlns:a16="http://schemas.microsoft.com/office/drawing/2014/main" id="{F9656749-2446-421A-81CE-73ED10E183CD}"/>
               </a:ext>
             </a:extLst>
           </p:cNvPr>
@@ -5707,10 +5752,104 @@
           </a:p>
         </p:txBody>
       </p:sp>
+      <p:pic>
+        <p:nvPicPr>
+          <p:cNvPr id="1030" name="Picture 6">
+            <a:extLst>
+              <a:ext uri="{FF2B5EF4-FFF2-40B4-BE49-F238E27FC236}">
+                <a16:creationId xmlns:a16="http://schemas.microsoft.com/office/drawing/2014/main" id="{AEFCA814-CEF1-4ED6-B9E7-DAA84DB370DB}"/>
+              </a:ext>
+            </a:extLst>
+          </p:cNvPr>
+          <p:cNvPicPr>
+            <a:picLocks noChangeAspect="1" noChangeArrowheads="1"/>
+          </p:cNvPicPr>
+          <p:nvPr/>
+        </p:nvPicPr>
+        <p:blipFill>
+          <a:blip r:embed="rId4">
+            <a:extLst>
+              <a:ext uri="{28A0092B-C50C-407E-A947-70E740481C1C}">
+                <a14:useLocalDpi xmlns:a14="http://schemas.microsoft.com/office/drawing/2010/main" val="0"/>
+              </a:ext>
+            </a:extLst>
+          </a:blip>
+          <a:srcRect/>
+          <a:stretch>
+            <a:fillRect/>
+          </a:stretch>
+        </p:blipFill>
+        <p:spPr bwMode="auto">
+          <a:xfrm>
+            <a:off x="516207" y="1093289"/>
+            <a:ext cx="2511253" cy="2000113"/>
+          </a:xfrm>
+          <a:prstGeom prst="rect">
+            <a:avLst/>
+          </a:prstGeom>
+          <a:noFill/>
+          <a:extLst>
+            <a:ext uri="{909E8E84-426E-40DD-AFC4-6F175D3DCCD1}">
+              <a14:hiddenFill xmlns:a14="http://schemas.microsoft.com/office/drawing/2010/main">
+                <a:solidFill>
+                  <a:srgbClr val="FFFFFF"/>
+                </a:solidFill>
+              </a14:hiddenFill>
+            </a:ext>
+          </a:extLst>
+        </p:spPr>
+      </p:pic>
+      <p:pic>
+        <p:nvPicPr>
+          <p:cNvPr id="1034" name="Picture 10">
+            <a:extLst>
+              <a:ext uri="{FF2B5EF4-FFF2-40B4-BE49-F238E27FC236}">
+                <a16:creationId xmlns:a16="http://schemas.microsoft.com/office/drawing/2014/main" id="{20BD3F7D-43BE-4EBE-AF8D-A66CF3275B9C}"/>
+              </a:ext>
+            </a:extLst>
+          </p:cNvPr>
+          <p:cNvPicPr>
+            <a:picLocks noChangeAspect="1" noChangeArrowheads="1"/>
+          </p:cNvPicPr>
+          <p:nvPr/>
+        </p:nvPicPr>
+        <p:blipFill>
+          <a:blip r:embed="rId5">
+            <a:extLst>
+              <a:ext uri="{28A0092B-C50C-407E-A947-70E740481C1C}">
+                <a14:useLocalDpi xmlns:a14="http://schemas.microsoft.com/office/drawing/2010/main" val="0"/>
+              </a:ext>
+            </a:extLst>
+          </a:blip>
+          <a:srcRect/>
+          <a:stretch>
+            <a:fillRect/>
+          </a:stretch>
+        </p:blipFill>
+        <p:spPr bwMode="auto">
+          <a:xfrm>
+            <a:off x="410485" y="3272202"/>
+            <a:ext cx="3084148" cy="3084148"/>
+          </a:xfrm>
+          <a:prstGeom prst="rect">
+            <a:avLst/>
+          </a:prstGeom>
+          <a:noFill/>
+          <a:extLst>
+            <a:ext uri="{909E8E84-426E-40DD-AFC4-6F175D3DCCD1}">
+              <a14:hiddenFill xmlns:a14="http://schemas.microsoft.com/office/drawing/2010/main">
+                <a:solidFill>
+                  <a:srgbClr val="FFFFFF"/>
+                </a:solidFill>
+              </a14:hiddenFill>
+            </a:ext>
+          </a:extLst>
+        </p:spPr>
+      </p:pic>
     </p:spTree>
     <p:extLst>
       <p:ext uri="{BB962C8B-B14F-4D97-AF65-F5344CB8AC3E}">
-        <p14:creationId xmlns:p14="http://schemas.microsoft.com/office/powerpoint/2010/main" val="3121615789"/>
+        <p14:creationId xmlns:p14="http://schemas.microsoft.com/office/powerpoint/2010/main" val="972465106"/>
       </p:ext>
     </p:extLst>
   </p:cSld>
